--- a/trunk/data convergence.pptx
+++ b/trunk/data convergence.pptx
@@ -22,8 +22,8 @@
     <p:sldId id="270" r:id="rId13"/>
     <p:sldId id="267" r:id="rId14"/>
     <p:sldId id="268" r:id="rId15"/>
-    <p:sldId id="265" r:id="rId16"/>
-    <p:sldId id="273" r:id="rId17"/>
+    <p:sldId id="273" r:id="rId16"/>
+    <p:sldId id="265" r:id="rId17"/>
   </p:sldIdLst>
   <p:sldSz cx="12192000" cy="6858000"/>
   <p:notesSz cx="6858000" cy="9144000"/>
@@ -223,7 +223,7 @@
           <a:p>
             <a:fld id="{8F74D049-4D65-4B98-85F8-57C7A02CC2DF}" type="datetimeFigureOut">
               <a:rPr lang="en-US" smtClean="0"/>
-              <a:t>9/26/2013</a:t>
+              <a:t>9/28/2013</a:t>
             </a:fld>
             <a:endParaRPr lang="en-US"/>
           </a:p>
@@ -1062,7 +1062,7 @@
           <a:p>
             <a:fld id="{FF943F91-F6FE-4934-B099-6D01D3C9D7CA}" type="datetime1">
               <a:rPr lang="en-US" smtClean="0"/>
-              <a:t>9/26/2013</a:t>
+              <a:t>9/28/2013</a:t>
             </a:fld>
             <a:endParaRPr lang="en-US"/>
           </a:p>
@@ -1241,7 +1241,7 @@
           <a:p>
             <a:fld id="{F1E490F5-E7B5-4434-BAD6-C3E1153FD8D1}" type="datetime1">
               <a:rPr lang="en-US" smtClean="0"/>
-              <a:t>9/26/2013</a:t>
+              <a:t>9/28/2013</a:t>
             </a:fld>
             <a:endParaRPr lang="en-US"/>
           </a:p>
@@ -1421,7 +1421,7 @@
           <a:p>
             <a:fld id="{0051E8ED-579C-4D3A-9DE3-99E721C99DF8}" type="datetime1">
               <a:rPr lang="en-US" smtClean="0"/>
-              <a:t>9/26/2013</a:t>
+              <a:t>9/28/2013</a:t>
             </a:fld>
             <a:endParaRPr lang="en-US"/>
           </a:p>
@@ -1591,7 +1591,7 @@
           <a:p>
             <a:fld id="{6B1E75B6-A24E-4A8A-9660-12CEC68218D9}" type="datetime1">
               <a:rPr lang="en-US" smtClean="0"/>
-              <a:t>9/26/2013</a:t>
+              <a:t>9/28/2013</a:t>
             </a:fld>
             <a:endParaRPr lang="en-US"/>
           </a:p>
@@ -1904,7 +1904,7 @@
           <a:p>
             <a:fld id="{31EDDAD8-AEFF-4F60-892F-65E5DD8D01E0}" type="datetime1">
               <a:rPr lang="en-US" smtClean="0"/>
-              <a:t>9/26/2013</a:t>
+              <a:t>9/28/2013</a:t>
             </a:fld>
             <a:endParaRPr lang="en-US"/>
           </a:p>
@@ -2290,7 +2290,7 @@
           <a:p>
             <a:fld id="{87C56C57-AEFF-496D-AEFA-4DAA3D4A2F9F}" type="datetime1">
               <a:rPr lang="en-US" smtClean="0"/>
-              <a:t>9/26/2013</a:t>
+              <a:t>9/28/2013</a:t>
             </a:fld>
             <a:endParaRPr lang="en-US"/>
           </a:p>
@@ -2724,7 +2724,7 @@
           <a:p>
             <a:fld id="{E4E95FDF-4126-4294-96DB-A703A41D867D}" type="datetime1">
               <a:rPr lang="en-US" smtClean="0"/>
-              <a:t>9/26/2013</a:t>
+              <a:t>9/28/2013</a:t>
             </a:fld>
             <a:endParaRPr lang="en-US"/>
           </a:p>
@@ -2842,7 +2842,7 @@
           <a:p>
             <a:fld id="{74948E4C-3C20-4F74-8EED-5EC22D3A42B4}" type="datetime1">
               <a:rPr lang="en-US" smtClean="0"/>
-              <a:t>9/26/2013</a:t>
+              <a:t>9/28/2013</a:t>
             </a:fld>
             <a:endParaRPr lang="en-US"/>
           </a:p>
@@ -2937,7 +2937,7 @@
           <a:p>
             <a:fld id="{336E70BA-3DA0-48A1-892D-FDAD16E77AD6}" type="datetime1">
               <a:rPr lang="en-US" smtClean="0"/>
-              <a:t>9/26/2013</a:t>
+              <a:t>9/28/2013</a:t>
             </a:fld>
             <a:endParaRPr lang="en-US"/>
           </a:p>
@@ -3287,7 +3287,7 @@
           <a:p>
             <a:fld id="{338D2297-FB3F-487E-A20B-FC675D962247}" type="datetime1">
               <a:rPr lang="en-US" smtClean="0"/>
-              <a:t>9/26/2013</a:t>
+              <a:t>9/28/2013</a:t>
             </a:fld>
             <a:endParaRPr lang="en-US"/>
           </a:p>
@@ -3712,7 +3712,7 @@
           <a:p>
             <a:fld id="{D800752B-AB5E-4678-86B9-E4CAAE01BC7D}" type="datetime1">
               <a:rPr lang="en-US" smtClean="0"/>
-              <a:t>9/26/2013</a:t>
+              <a:t>9/28/2013</a:t>
             </a:fld>
             <a:endParaRPr lang="en-US"/>
           </a:p>
@@ -3993,7 +3993,7 @@
           <a:p>
             <a:fld id="{227706AB-6A1E-4332-829B-61545E3C549F}" type="datetime1">
               <a:rPr lang="en-US" smtClean="0"/>
-              <a:t>9/26/2013</a:t>
+              <a:t>9/28/2013</a:t>
             </a:fld>
             <a:endParaRPr lang="en-US"/>
           </a:p>
@@ -8939,9 +8939,262 @@
           <a:chExt cx="0" cy="0"/>
         </a:xfrm>
       </p:grpSpPr>
+      <p:sp>
+        <p:nvSpPr>
+          <p:cNvPr id="2" name="Title 1"/>
+          <p:cNvSpPr>
+            <a:spLocks noGrp="1"/>
+          </p:cNvSpPr>
+          <p:nvPr>
+            <p:ph type="title"/>
+          </p:nvPr>
+        </p:nvSpPr>
+        <p:spPr>
+          <a:xfrm>
+            <a:off x="0" y="0"/>
+            <a:ext cx="10058400" cy="1609344"/>
+          </a:xfrm>
+        </p:spPr>
+        <p:txBody>
+          <a:bodyPr/>
+          <a:lstStyle/>
+          <a:p>
+            <a:r>
+              <a:rPr lang="en-US" dirty="0" smtClean="0"/>
+              <a:t>Modelling/Design </a:t>
+            </a:r>
+            <a:r>
+              <a:rPr lang="en-US" dirty="0" smtClean="0"/>
+              <a:t>Issues</a:t>
+            </a:r>
+            <a:endParaRPr lang="en-US" dirty="0"/>
+          </a:p>
+        </p:txBody>
+      </p:sp>
+      <p:sp>
+        <p:nvSpPr>
+          <p:cNvPr id="3" name="Content Placeholder 2"/>
+          <p:cNvSpPr>
+            <a:spLocks noGrp="1"/>
+          </p:cNvSpPr>
+          <p:nvPr>
+            <p:ph idx="1"/>
+          </p:nvPr>
+        </p:nvSpPr>
+        <p:spPr>
+          <a:xfrm>
+            <a:off x="204719" y="1451712"/>
+            <a:ext cx="10304060" cy="5406288"/>
+          </a:xfrm>
+        </p:spPr>
+        <p:txBody>
+          <a:bodyPr>
+            <a:normAutofit lnSpcReduction="10000"/>
+          </a:bodyPr>
+          <a:lstStyle/>
+          <a:p>
+            <a:r>
+              <a:rPr lang="en-US" dirty="0" smtClean="0"/>
+              <a:t>Mongo DB Limitations</a:t>
+            </a:r>
+          </a:p>
+          <a:p>
+            <a:pPr lvl="1"/>
+            <a:r>
+              <a:rPr lang="en-US" dirty="0" smtClean="0"/>
+              <a:t>Max size of document – 16MB</a:t>
+            </a:r>
+          </a:p>
+          <a:p>
+            <a:pPr marL="274320" lvl="1" indent="0">
+              <a:buNone/>
+            </a:pPr>
+            <a:r>
+              <a:rPr lang="en-US" dirty="0"/>
+              <a:t> </a:t>
+            </a:r>
+            <a:r>
+              <a:rPr lang="en-US" dirty="0" smtClean="0"/>
+              <a:t>  M</a:t>
+            </a:r>
+            <a:r>
+              <a:rPr lang="en-US" dirty="0" smtClean="0"/>
+              <a:t>ax </a:t>
+            </a:r>
+            <a:r>
+              <a:rPr lang="en-US" dirty="0" smtClean="0"/>
+              <a:t>number of collection +indexes </a:t>
+            </a:r>
+            <a:r>
+              <a:rPr lang="en-US" dirty="0"/>
+              <a:t>=</a:t>
+            </a:r>
+            <a:r>
+              <a:rPr lang="en-US" dirty="0" smtClean="0"/>
+              <a:t> </a:t>
+            </a:r>
+            <a:r>
+              <a:rPr lang="en-US" dirty="0" smtClean="0"/>
+              <a:t>24000</a:t>
+            </a:r>
+          </a:p>
+          <a:p>
+            <a:pPr marL="274320" lvl="1" indent="0">
+              <a:buNone/>
+            </a:pPr>
+            <a:r>
+              <a:rPr lang="en-US" dirty="0" smtClean="0"/>
+              <a:t>   Max </a:t>
+            </a:r>
+            <a:r>
+              <a:rPr lang="en-US" dirty="0"/>
+              <a:t>nesting level – 100</a:t>
+            </a:r>
+          </a:p>
+          <a:p>
+            <a:pPr lvl="2"/>
+            <a:r>
+              <a:rPr lang="en-US" dirty="0" smtClean="0"/>
+              <a:t>Approach - Semi-structured </a:t>
+            </a:r>
+            <a:r>
+              <a:rPr lang="en-US" dirty="0"/>
+              <a:t>data (heterogeneous collection)</a:t>
+            </a:r>
+          </a:p>
+          <a:p>
+            <a:pPr lvl="3"/>
+            <a:r>
+              <a:rPr lang="en-US" dirty="0" smtClean="0"/>
+              <a:t>So </a:t>
+            </a:r>
+            <a:r>
+              <a:rPr lang="en-US" dirty="0" smtClean="0"/>
+              <a:t>each department mapped to collection as department cannot be more than few thousand</a:t>
+            </a:r>
+          </a:p>
+          <a:p>
+            <a:pPr lvl="3"/>
+            <a:r>
+              <a:rPr lang="en-US" dirty="0" smtClean="0"/>
+              <a:t>Each record is mapped to </a:t>
+            </a:r>
+            <a:r>
+              <a:rPr lang="en-US" dirty="0" smtClean="0"/>
+              <a:t>document</a:t>
+            </a:r>
+          </a:p>
+          <a:p>
+            <a:pPr lvl="3"/>
+            <a:r>
+              <a:rPr lang="en-US" dirty="0" smtClean="0"/>
+              <a:t>Query </a:t>
+            </a:r>
+            <a:r>
+              <a:rPr lang="en-US" dirty="0"/>
+              <a:t>at 1 level is faster than nth level nested </a:t>
+            </a:r>
+            <a:r>
+              <a:rPr lang="en-US" dirty="0" smtClean="0"/>
+              <a:t>document</a:t>
+            </a:r>
+          </a:p>
+          <a:p>
+            <a:pPr lvl="1"/>
+            <a:r>
+              <a:rPr lang="en-US" dirty="0" smtClean="0"/>
+              <a:t>No ACID at collection level  but at Document level</a:t>
+            </a:r>
+          </a:p>
+          <a:p>
+            <a:pPr lvl="2"/>
+            <a:r>
+              <a:rPr lang="en-US" dirty="0" smtClean="0"/>
+              <a:t>We are dealing with only one time insert and ‘n‘ select operations only</a:t>
+            </a:r>
+          </a:p>
+          <a:p>
+            <a:pPr lvl="1"/>
+            <a:r>
+              <a:rPr lang="en-US" dirty="0" smtClean="0"/>
+              <a:t>No join</a:t>
+            </a:r>
+          </a:p>
+          <a:p>
+            <a:pPr lvl="2"/>
+            <a:r>
+              <a:rPr lang="en-US" dirty="0" smtClean="0"/>
+              <a:t>Can do at application level, but cost/complexity?</a:t>
+            </a:r>
+          </a:p>
+          <a:p>
+            <a:pPr lvl="3"/>
+            <a:r>
+              <a:rPr lang="en-US" dirty="0" smtClean="0"/>
+              <a:t>Support built in map-reduce function, merge, </a:t>
+            </a:r>
+            <a:r>
+              <a:rPr lang="en-US" dirty="0" err="1" smtClean="0"/>
+              <a:t>etc</a:t>
+            </a:r>
+            <a:endParaRPr lang="en-US" dirty="0"/>
+          </a:p>
+          <a:p>
+            <a:r>
+              <a:rPr lang="en-US" dirty="0" smtClean="0"/>
+              <a:t>Optimization</a:t>
+            </a:r>
+          </a:p>
+          <a:p>
+            <a:pPr lvl="1"/>
+            <a:r>
+              <a:rPr lang="en-US" dirty="0" smtClean="0"/>
+              <a:t>Indexing </a:t>
+            </a:r>
+          </a:p>
+          <a:p>
+            <a:pPr lvl="1"/>
+            <a:r>
+              <a:rPr lang="en-US" dirty="0" err="1" smtClean="0"/>
+              <a:t>Sharding</a:t>
+            </a:r>
+            <a:endParaRPr lang="en-US" dirty="0" smtClean="0"/>
+          </a:p>
+          <a:p>
+            <a:pPr lvl="1"/>
+            <a:r>
+              <a:rPr lang="en-US" dirty="0" smtClean="0"/>
+              <a:t>Reduce dataset size</a:t>
+            </a:r>
+          </a:p>
+        </p:txBody>
+      </p:sp>
+      <p:sp>
+        <p:nvSpPr>
+          <p:cNvPr id="4" name="Slide Number Placeholder 3"/>
+          <p:cNvSpPr>
+            <a:spLocks noGrp="1"/>
+          </p:cNvSpPr>
+          <p:nvPr>
+            <p:ph type="sldNum" sz="quarter" idx="12"/>
+          </p:nvPr>
+        </p:nvSpPr>
+        <p:spPr/>
+        <p:txBody>
+          <a:bodyPr/>
+          <a:lstStyle/>
+          <a:p>
+            <a:fld id="{12289AAE-93FB-4A69-8526-3F184743BE4E}" type="slidenum">
+              <a:rPr lang="en-US" smtClean="0"/>
+              <a:t>15</a:t>
+            </a:fld>
+            <a:endParaRPr lang="en-US"/>
+          </a:p>
+        </p:txBody>
+      </p:sp>
       <p:pic>
         <p:nvPicPr>
-          <p:cNvPr id="1026" name="Picture 2" descr="http://www.glittergraphics.org/graphics/thank-you/images/10.jpg"/>
+          <p:cNvPr id="1026" name="Picture 2" descr="http://www.digital-synergy.com/wp-content/uploads/2011/02/Website-Design-Problems.jpg"/>
           <p:cNvPicPr>
             <a:picLocks noChangeAspect="1" noChangeArrowheads="1"/>
           </p:cNvPicPr>
@@ -8962,13 +9215,18 @@
         </p:blipFill>
         <p:spPr bwMode="auto">
           <a:xfrm>
-            <a:off x="3413125" y="2259012"/>
-            <a:ext cx="4762500" cy="3190876"/>
+            <a:off x="8875890" y="3558158"/>
+            <a:ext cx="2809875" cy="2714626"/>
           </a:xfrm>
           <a:prstGeom prst="rect">
             <a:avLst/>
           </a:prstGeom>
-          <a:noFill/>
+          <a:ln>
+            <a:noFill/>
+          </a:ln>
+          <a:effectLst>
+            <a:softEdge rad="112500"/>
+          </a:effectLst>
           <a:extLst>
             <a:ext uri="{909E8E84-426E-40DD-AFC4-6F175D3DCCD1}">
               <a14:hiddenFill xmlns:a14="http://schemas.microsoft.com/office/drawing/2010/main">
@@ -8980,33 +9238,10 @@
           </a:extLst>
         </p:spPr>
       </p:pic>
-      <p:sp>
-        <p:nvSpPr>
-          <p:cNvPr id="2" name="Slide Number Placeholder 1"/>
-          <p:cNvSpPr>
-            <a:spLocks noGrp="1"/>
-          </p:cNvSpPr>
-          <p:nvPr>
-            <p:ph type="sldNum" sz="quarter" idx="12"/>
-          </p:nvPr>
-        </p:nvSpPr>
-        <p:spPr/>
-        <p:txBody>
-          <a:bodyPr/>
-          <a:lstStyle/>
-          <a:p>
-            <a:fld id="{12289AAE-93FB-4A69-8526-3F184743BE4E}" type="slidenum">
-              <a:rPr lang="en-US" smtClean="0"/>
-              <a:t>15</a:t>
-            </a:fld>
-            <a:endParaRPr lang="en-US"/>
-          </a:p>
-        </p:txBody>
-      </p:sp>
     </p:spTree>
     <p:extLst>
       <p:ext uri="{BB962C8B-B14F-4D97-AF65-F5344CB8AC3E}">
-        <p14:creationId xmlns:p14="http://schemas.microsoft.com/office/powerpoint/2010/main" val="4053855007"/>
+        <p14:creationId xmlns:p14="http://schemas.microsoft.com/office/powerpoint/2010/main" val="446020793"/>
       </p:ext>
     </p:extLst>
   </p:cSld>
@@ -9040,68 +9275,50 @@
           <a:chExt cx="0" cy="0"/>
         </a:xfrm>
       </p:grpSpPr>
-      <p:sp>
-        <p:nvSpPr>
-          <p:cNvPr id="2" name="Title 1"/>
-          <p:cNvSpPr>
-            <a:spLocks noGrp="1"/>
-          </p:cNvSpPr>
-          <p:nvPr>
-            <p:ph type="title"/>
-          </p:nvPr>
-        </p:nvSpPr>
-        <p:spPr/>
-        <p:txBody>
-          <a:bodyPr/>
-          <a:lstStyle/>
-          <a:p>
-            <a:r>
-              <a:rPr lang="en-US" dirty="0" err="1" smtClean="0"/>
-              <a:t>optimisation</a:t>
-            </a:r>
-            <a:endParaRPr lang="en-US" dirty="0"/>
-          </a:p>
-        </p:txBody>
-      </p:sp>
-      <p:sp>
-        <p:nvSpPr>
-          <p:cNvPr id="3" name="Content Placeholder 2"/>
-          <p:cNvSpPr>
-            <a:spLocks noGrp="1"/>
-          </p:cNvSpPr>
-          <p:nvPr>
-            <p:ph idx="1"/>
-          </p:nvPr>
-        </p:nvSpPr>
-        <p:spPr/>
-        <p:txBody>
-          <a:bodyPr/>
-          <a:lstStyle/>
-          <a:p>
-            <a:r>
-              <a:rPr lang="en-US" dirty="0" smtClean="0"/>
-              <a:t>Reduce dataset size</a:t>
-            </a:r>
-          </a:p>
-          <a:p>
-            <a:r>
-              <a:rPr lang="en-US" dirty="0" smtClean="0"/>
-              <a:t>Speed</a:t>
-            </a:r>
-          </a:p>
-          <a:p>
-            <a:pPr lvl="1"/>
-            <a:r>
-              <a:rPr lang="en-US" smtClean="0"/>
-              <a:t>asyn</a:t>
-            </a:r>
-            <a:endParaRPr lang="en-US"/>
-          </a:p>
-        </p:txBody>
-      </p:sp>
-      <p:sp>
-        <p:nvSpPr>
-          <p:cNvPr id="4" name="Slide Number Placeholder 3"/>
+      <p:pic>
+        <p:nvPicPr>
+          <p:cNvPr id="1026" name="Picture 2" descr="http://www.glittergraphics.org/graphics/thank-you/images/10.jpg"/>
+          <p:cNvPicPr>
+            <a:picLocks noChangeAspect="1" noChangeArrowheads="1"/>
+          </p:cNvPicPr>
+          <p:nvPr/>
+        </p:nvPicPr>
+        <p:blipFill>
+          <a:blip r:embed="rId2">
+            <a:extLst>
+              <a:ext uri="{28A0092B-C50C-407E-A947-70E740481C1C}">
+                <a14:useLocalDpi xmlns:a14="http://schemas.microsoft.com/office/drawing/2010/main" val="0"/>
+              </a:ext>
+            </a:extLst>
+          </a:blip>
+          <a:srcRect/>
+          <a:stretch>
+            <a:fillRect/>
+          </a:stretch>
+        </p:blipFill>
+        <p:spPr bwMode="auto">
+          <a:xfrm>
+            <a:off x="3413125" y="2259012"/>
+            <a:ext cx="4762500" cy="3190876"/>
+          </a:xfrm>
+          <a:prstGeom prst="rect">
+            <a:avLst/>
+          </a:prstGeom>
+          <a:noFill/>
+          <a:extLst>
+            <a:ext uri="{909E8E84-426E-40DD-AFC4-6F175D3DCCD1}">
+              <a14:hiddenFill xmlns:a14="http://schemas.microsoft.com/office/drawing/2010/main">
+                <a:solidFill>
+                  <a:srgbClr val="FFFFFF"/>
+                </a:solidFill>
+              </a14:hiddenFill>
+            </a:ext>
+          </a:extLst>
+        </p:spPr>
+      </p:pic>
+      <p:sp>
+        <p:nvSpPr>
+          <p:cNvPr id="2" name="Slide Number Placeholder 1"/>
           <p:cNvSpPr>
             <a:spLocks noGrp="1"/>
           </p:cNvSpPr>
@@ -9125,13 +9342,20 @@
     </p:spTree>
     <p:extLst>
       <p:ext uri="{BB962C8B-B14F-4D97-AF65-F5344CB8AC3E}">
-        <p14:creationId xmlns:p14="http://schemas.microsoft.com/office/powerpoint/2010/main" val="446020793"/>
+        <p14:creationId xmlns:p14="http://schemas.microsoft.com/office/powerpoint/2010/main" val="4053855007"/>
       </p:ext>
     </p:extLst>
   </p:cSld>
   <p:clrMapOvr>
     <a:masterClrMapping/>
   </p:clrMapOvr>
+  <p:timing>
+    <p:tnLst>
+      <p:par>
+        <p:cTn id="1" dur="indefinite" restart="never" nodeType="tmRoot"/>
+      </p:par>
+    </p:tnLst>
+  </p:timing>
 </p:sld>
 </file>
 
@@ -9205,6 +9429,12 @@
             <a:r>
               <a:rPr lang="en-US" dirty="0" smtClean="0"/>
               <a:t>Solution</a:t>
+            </a:r>
+          </a:p>
+          <a:p>
+            <a:r>
+              <a:rPr lang="en-US" dirty="0" smtClean="0"/>
+              <a:t>Design Issues</a:t>
             </a:r>
           </a:p>
           <a:p>
@@ -14001,11 +14231,7 @@
             <a:pPr lvl="1"/>
             <a:r>
               <a:rPr lang="en-US" sz="2000" dirty="0" smtClean="0"/>
-              <a:t>Converting the addresses(0,1,2) to longitude and latitude</a:t>
-            </a:r>
-            <a:r>
-              <a:rPr lang="en-US" sz="2000" dirty="0" smtClean="0"/>
-              <a:t>.</a:t>
+              <a:t>Converting the addresses(0,1,2) to longitude and latitude.</a:t>
             </a:r>
           </a:p>
           <a:p>
